--- a/Reactive Spring Webflux.pptx
+++ b/Reactive Spring Webflux.pptx
@@ -10,15 +10,16 @@
     <p:sldId id="265" r:id="rId4"/>
     <p:sldId id="266" r:id="rId5"/>
     <p:sldId id="268" r:id="rId6"/>
-    <p:sldId id="269" r:id="rId7"/>
-    <p:sldId id="270" r:id="rId8"/>
-    <p:sldId id="271" r:id="rId9"/>
-    <p:sldId id="272" r:id="rId10"/>
-    <p:sldId id="273" r:id="rId11"/>
-    <p:sldId id="267" r:id="rId12"/>
-    <p:sldId id="274" r:id="rId13"/>
-    <p:sldId id="277" r:id="rId14"/>
-    <p:sldId id="276" r:id="rId15"/>
+    <p:sldId id="279" r:id="rId7"/>
+    <p:sldId id="269" r:id="rId8"/>
+    <p:sldId id="270" r:id="rId9"/>
+    <p:sldId id="271" r:id="rId10"/>
+    <p:sldId id="272" r:id="rId11"/>
+    <p:sldId id="273" r:id="rId12"/>
+    <p:sldId id="267" r:id="rId13"/>
+    <p:sldId id="274" r:id="rId14"/>
+    <p:sldId id="277" r:id="rId15"/>
+    <p:sldId id="276" r:id="rId16"/>
   </p:sldIdLst>
   <p:sldSz cx="12192000" cy="6858000"/>
   <p:notesSz cx="6858000" cy="9144000"/>
@@ -314,7 +315,7 @@
             <a:fld id="{B61BEF0D-F0BB-DE4B-95CE-6DB70DBA9567}" type="datetimeFigureOut">
               <a:rPr lang="en-US" smtClean="0"/>
               <a:pPr/>
-              <a:t>3/25/2019</a:t>
+              <a:t>7/6/2019</a:t>
             </a:fld>
             <a:endParaRPr lang="en-US" dirty="0"/>
           </a:p>
@@ -654,7 +655,7 @@
             <a:fld id="{B61BEF0D-F0BB-DE4B-95CE-6DB70DBA9567}" type="datetimeFigureOut">
               <a:rPr lang="en-US" smtClean="0"/>
               <a:pPr/>
-              <a:t>3/25/2019</a:t>
+              <a:t>7/6/2019</a:t>
             </a:fld>
             <a:endParaRPr lang="en-US" dirty="0"/>
           </a:p>
@@ -1057,7 +1058,7 @@
             <a:fld id="{B61BEF0D-F0BB-DE4B-95CE-6DB70DBA9567}" type="datetimeFigureOut">
               <a:rPr lang="en-US" smtClean="0"/>
               <a:pPr/>
-              <a:t>3/25/2019</a:t>
+              <a:t>7/6/2019</a:t>
             </a:fld>
             <a:endParaRPr lang="en-US" dirty="0"/>
           </a:p>
@@ -1395,7 +1396,7 @@
             <a:fld id="{B61BEF0D-F0BB-DE4B-95CE-6DB70DBA9567}" type="datetimeFigureOut">
               <a:rPr lang="en-US" smtClean="0"/>
               <a:pPr/>
-              <a:t>3/25/2019</a:t>
+              <a:t>7/6/2019</a:t>
             </a:fld>
             <a:endParaRPr lang="en-US" dirty="0"/>
           </a:p>
@@ -1717,7 +1718,7 @@
             <a:fld id="{B61BEF0D-F0BB-DE4B-95CE-6DB70DBA9567}" type="datetimeFigureOut">
               <a:rPr lang="en-US" smtClean="0"/>
               <a:pPr/>
-              <a:t>3/25/2019</a:t>
+              <a:t>7/6/2019</a:t>
             </a:fld>
             <a:endParaRPr lang="en-US" dirty="0"/>
           </a:p>
@@ -2115,7 +2116,7 @@
             <a:fld id="{B61BEF0D-F0BB-DE4B-95CE-6DB70DBA9567}" type="datetimeFigureOut">
               <a:rPr lang="en-US" smtClean="0"/>
               <a:pPr/>
-              <a:t>3/25/2019</a:t>
+              <a:t>7/6/2019</a:t>
             </a:fld>
             <a:endParaRPr lang="en-US" dirty="0"/>
           </a:p>
@@ -2374,7 +2375,7 @@
             <a:fld id="{B61BEF0D-F0BB-DE4B-95CE-6DB70DBA9567}" type="datetimeFigureOut">
               <a:rPr lang="en-US" smtClean="0"/>
               <a:pPr/>
-              <a:t>3/25/2019</a:t>
+              <a:t>7/6/2019</a:t>
             </a:fld>
             <a:endParaRPr lang="en-US" dirty="0"/>
           </a:p>
@@ -2638,7 +2639,7 @@
             <a:fld id="{B61BEF0D-F0BB-DE4B-95CE-6DB70DBA9567}" type="datetimeFigureOut">
               <a:rPr lang="en-US" smtClean="0"/>
               <a:pPr/>
-              <a:t>3/25/2019</a:t>
+              <a:t>7/6/2019</a:t>
             </a:fld>
             <a:endParaRPr lang="en-US" dirty="0"/>
           </a:p>
@@ -2902,7 +2903,7 @@
             <a:fld id="{B61BEF0D-F0BB-DE4B-95CE-6DB70DBA9567}" type="datetimeFigureOut">
               <a:rPr lang="en-US" smtClean="0"/>
               <a:pPr/>
-              <a:t>3/25/2019</a:t>
+              <a:t>7/6/2019</a:t>
             </a:fld>
             <a:endParaRPr lang="en-US" dirty="0"/>
           </a:p>
@@ -3233,7 +3234,7 @@
             <a:fld id="{B61BEF0D-F0BB-DE4B-95CE-6DB70DBA9567}" type="datetimeFigureOut">
               <a:rPr lang="en-US" smtClean="0"/>
               <a:pPr/>
-              <a:t>3/25/2019</a:t>
+              <a:t>7/6/2019</a:t>
             </a:fld>
             <a:endParaRPr lang="en-US" dirty="0"/>
           </a:p>
@@ -3558,7 +3559,7 @@
             <a:fld id="{B61BEF0D-F0BB-DE4B-95CE-6DB70DBA9567}" type="datetimeFigureOut">
               <a:rPr lang="en-US" smtClean="0"/>
               <a:pPr/>
-              <a:t>3/25/2019</a:t>
+              <a:t>7/6/2019</a:t>
             </a:fld>
             <a:endParaRPr lang="en-US" dirty="0"/>
           </a:p>
@@ -4022,7 +4023,7 @@
             <a:fld id="{B61BEF0D-F0BB-DE4B-95CE-6DB70DBA9567}" type="datetimeFigureOut">
               <a:rPr lang="en-US" smtClean="0"/>
               <a:pPr/>
-              <a:t>3/25/2019</a:t>
+              <a:t>7/6/2019</a:t>
             </a:fld>
             <a:endParaRPr lang="en-US" dirty="0"/>
           </a:p>
@@ -4234,7 +4235,7 @@
             <a:fld id="{B61BEF0D-F0BB-DE4B-95CE-6DB70DBA9567}" type="datetimeFigureOut">
               <a:rPr lang="en-US" smtClean="0"/>
               <a:pPr/>
-              <a:t>3/25/2019</a:t>
+              <a:t>7/6/2019</a:t>
             </a:fld>
             <a:endParaRPr lang="en-US" dirty="0"/>
           </a:p>
@@ -4413,7 +4414,7 @@
             <a:fld id="{B61BEF0D-F0BB-DE4B-95CE-6DB70DBA9567}" type="datetimeFigureOut">
               <a:rPr lang="en-US" smtClean="0"/>
               <a:pPr/>
-              <a:t>3/25/2019</a:t>
+              <a:t>7/6/2019</a:t>
             </a:fld>
             <a:endParaRPr lang="en-US" dirty="0"/>
           </a:p>
@@ -4748,7 +4749,7 @@
             <a:fld id="{B61BEF0D-F0BB-DE4B-95CE-6DB70DBA9567}" type="datetimeFigureOut">
               <a:rPr lang="en-US" smtClean="0"/>
               <a:pPr/>
-              <a:t>3/25/2019</a:t>
+              <a:t>7/6/2019</a:t>
             </a:fld>
             <a:endParaRPr lang="en-US" dirty="0"/>
           </a:p>
@@ -5100,7 +5101,7 @@
             <a:fld id="{B61BEF0D-F0BB-DE4B-95CE-6DB70DBA9567}" type="datetimeFigureOut">
               <a:rPr lang="en-US" smtClean="0"/>
               <a:pPr/>
-              <a:t>3/25/2019</a:t>
+              <a:t>7/6/2019</a:t>
             </a:fld>
             <a:endParaRPr lang="en-US" dirty="0"/>
           </a:p>
@@ -7219,7 +7220,7 @@
             <a:fld id="{B61BEF0D-F0BB-DE4B-95CE-6DB70DBA9567}" type="datetimeFigureOut">
               <a:rPr lang="en-US" smtClean="0"/>
               <a:pPr/>
-              <a:t>3/25/2019</a:t>
+              <a:t>7/6/2019</a:t>
             </a:fld>
             <a:endParaRPr lang="en-US" dirty="0"/>
           </a:p>
@@ -8046,7 +8047,7 @@
     </p:spTree>
     <p:extLst>
       <p:ext uri="{BB962C8B-B14F-4D97-AF65-F5344CB8AC3E}">
-        <p14:creationId xmlns:p14="http://schemas.microsoft.com/office/powerpoint/2010/main" val="4208333116"/>
+        <p14:creationId xmlns:p14="http://schemas.microsoft.com/office/powerpoint/2010/main" val="2408724767"/>
       </p:ext>
     </p:extLst>
   </p:cSld>
@@ -8106,7 +8107,7 @@
     </p:spTree>
     <p:extLst>
       <p:ext uri="{BB962C8B-B14F-4D97-AF65-F5344CB8AC3E}">
-        <p14:creationId xmlns:p14="http://schemas.microsoft.com/office/powerpoint/2010/main" val="4087957090"/>
+        <p14:creationId xmlns:p14="http://schemas.microsoft.com/office/powerpoint/2010/main" val="4208333116"/>
       </p:ext>
     </p:extLst>
   </p:cSld>
@@ -8166,7 +8167,7 @@
     </p:spTree>
     <p:extLst>
       <p:ext uri="{BB962C8B-B14F-4D97-AF65-F5344CB8AC3E}">
-        <p14:creationId xmlns:p14="http://schemas.microsoft.com/office/powerpoint/2010/main" val="2423927281"/>
+        <p14:creationId xmlns:p14="http://schemas.microsoft.com/office/powerpoint/2010/main" val="4087957090"/>
       </p:ext>
     </p:extLst>
   </p:cSld>
@@ -8193,6 +8194,66 @@
           <a:chExt cx="0" cy="0"/>
         </a:xfrm>
       </p:grpSpPr>
+      <p:pic>
+        <p:nvPicPr>
+          <p:cNvPr id="2" name="Picture 1"/>
+          <p:cNvPicPr>
+            <a:picLocks noChangeAspect="1"/>
+          </p:cNvPicPr>
+          <p:nvPr/>
+        </p:nvPicPr>
+        <p:blipFill>
+          <a:blip r:embed="rId2">
+            <a:extLst>
+              <a:ext uri="{28A0092B-C50C-407E-A947-70E740481C1C}">
+                <a14:useLocalDpi xmlns:a14="http://schemas.microsoft.com/office/drawing/2010/main" val="0"/>
+              </a:ext>
+            </a:extLst>
+          </a:blip>
+          <a:stretch>
+            <a:fillRect/>
+          </a:stretch>
+        </p:blipFill>
+        <p:spPr>
+          <a:xfrm>
+            <a:off x="0" y="0"/>
+            <a:ext cx="12192000" cy="6858000"/>
+          </a:xfrm>
+          <a:prstGeom prst="rect">
+            <a:avLst/>
+          </a:prstGeom>
+        </p:spPr>
+      </p:pic>
+    </p:spTree>
+    <p:extLst>
+      <p:ext uri="{BB962C8B-B14F-4D97-AF65-F5344CB8AC3E}">
+        <p14:creationId xmlns:p14="http://schemas.microsoft.com/office/powerpoint/2010/main" val="2423927281"/>
+      </p:ext>
+    </p:extLst>
+  </p:cSld>
+  <p:clrMapOvr>
+    <a:masterClrMapping/>
+  </p:clrMapOvr>
+</p:sld>
+</file>
+
+<file path=ppt/slides/slide14.xml><?xml version="1.0" encoding="utf-8"?>
+<p:sld xmlns:a="http://schemas.openxmlformats.org/drawingml/2006/main" xmlns:r="http://schemas.openxmlformats.org/officeDocument/2006/relationships" xmlns:p="http://schemas.openxmlformats.org/presentationml/2006/main">
+  <p:cSld>
+    <p:spTree>
+      <p:nvGrpSpPr>
+        <p:cNvPr id="1" name=""/>
+        <p:cNvGrpSpPr/>
+        <p:nvPr/>
+      </p:nvGrpSpPr>
+      <p:grpSpPr>
+        <a:xfrm>
+          <a:off x="0" y="0"/>
+          <a:ext cx="0" cy="0"/>
+          <a:chOff x="0" y="0"/>
+          <a:chExt cx="0" cy="0"/>
+        </a:xfrm>
+      </p:grpSpPr>
       <p:sp>
         <p:nvSpPr>
           <p:cNvPr id="3" name="Content Placeholder 2"/>
@@ -8219,7 +8280,6 @@
               <a:rPr lang="en-IN" sz="2400" dirty="0" smtClean="0"/>
               <a:t>Advantages</a:t>
             </a:r>
-            <a:endParaRPr lang="en-IN" sz="2400" dirty="0" smtClean="0"/>
           </a:p>
           <a:p>
             <a:pPr lvl="1">
@@ -8260,7 +8320,6 @@
               <a:rPr lang="en-IN" sz="1800" dirty="0" smtClean="0"/>
               <a:t>Less context switches</a:t>
             </a:r>
-            <a:endParaRPr lang="en-IN" sz="1800" dirty="0" smtClean="0"/>
           </a:p>
           <a:p>
             <a:pPr lvl="1">
@@ -8271,7 +8330,6 @@
               <a:rPr lang="en-IN" sz="1800" dirty="0" smtClean="0"/>
               <a:t>Streaming use cases (Live stream)</a:t>
             </a:r>
-            <a:endParaRPr lang="en-IN" sz="1800" dirty="0" smtClean="0"/>
           </a:p>
           <a:p>
             <a:pPr lvl="1">
@@ -8282,7 +8340,6 @@
               <a:rPr lang="en-IN" sz="1800" dirty="0" smtClean="0"/>
               <a:t>Non blocking (Netty threads)</a:t>
             </a:r>
-            <a:endParaRPr lang="en-IN" sz="1800" dirty="0" smtClean="0"/>
           </a:p>
           <a:p>
             <a:pPr lvl="1">
@@ -8541,7 +8598,6 @@
               <a:rPr lang="en-IN" sz="2400" dirty="0" smtClean="0"/>
               <a:t>Considerations</a:t>
             </a:r>
-            <a:endParaRPr lang="en-IN" sz="2400" dirty="0" smtClean="0"/>
           </a:p>
           <a:p>
             <a:pPr lvl="1">
@@ -8605,7 +8661,6 @@
               <a:rPr lang="en-IN" dirty="0"/>
               <a:t> </a:t>
             </a:r>
-            <a:endParaRPr lang="en-IN" dirty="0"/>
           </a:p>
         </p:txBody>
       </p:sp>
@@ -8629,7 +8684,7 @@
 </p:sld>
 </file>
 
-<file path=ppt/slides/slide14.xml><?xml version="1.0" encoding="utf-8"?>
+<file path=ppt/slides/slide15.xml><?xml version="1.0" encoding="utf-8"?>
 <p:sld xmlns:a="http://schemas.openxmlformats.org/drawingml/2006/main" xmlns:r="http://schemas.openxmlformats.org/officeDocument/2006/relationships" xmlns:p="http://schemas.openxmlformats.org/presentationml/2006/main">
   <p:cSld>
     <p:spTree>
@@ -9346,7 +9401,7 @@
       </p:grpSpPr>
       <p:pic>
         <p:nvPicPr>
-          <p:cNvPr id="2" name="Picture 1"/>
+          <p:cNvPr id="3" name="Picture 2"/>
           <p:cNvPicPr>
             <a:picLocks noChangeAspect="1"/>
           </p:cNvPicPr>
@@ -9366,18 +9421,57 @@
         </p:blipFill>
         <p:spPr>
           <a:xfrm>
-            <a:off x="0" y="0"/>
-            <a:ext cx="12192000" cy="6858000"/>
+            <a:off x="0" y="1219200"/>
+            <a:ext cx="12191999" cy="5638800"/>
           </a:xfrm>
           <a:prstGeom prst="rect">
             <a:avLst/>
           </a:prstGeom>
         </p:spPr>
       </p:pic>
+      <p:sp>
+        <p:nvSpPr>
+          <p:cNvPr id="4" name="Title 3"/>
+          <p:cNvSpPr>
+            <a:spLocks noGrp="1"/>
+          </p:cNvSpPr>
+          <p:nvPr>
+            <p:ph type="title"/>
+          </p:nvPr>
+        </p:nvSpPr>
+        <p:spPr>
+          <a:xfrm>
+            <a:off x="0" y="0"/>
+            <a:ext cx="12191999" cy="1219200"/>
+          </a:xfrm>
+          <a:solidFill>
+            <a:srgbClr val="CA3B14"/>
+          </a:solidFill>
+        </p:spPr>
+        <p:txBody>
+          <a:bodyPr/>
+          <a:lstStyle/>
+          <a:p>
+            <a:r>
+              <a:rPr lang="en-IN" dirty="0" smtClean="0">
+                <a:solidFill>
+                  <a:schemeClr val="bg1"/>
+                </a:solidFill>
+              </a:rPr>
+              <a:t>Blocking Request Processing</a:t>
+            </a:r>
+            <a:endParaRPr lang="en-IN" dirty="0">
+              <a:solidFill>
+                <a:schemeClr val="bg1"/>
+              </a:solidFill>
+            </a:endParaRPr>
+          </a:p>
+        </p:txBody>
+      </p:sp>
     </p:spTree>
     <p:extLst>
       <p:ext uri="{BB962C8B-B14F-4D97-AF65-F5344CB8AC3E}">
-        <p14:creationId xmlns:p14="http://schemas.microsoft.com/office/powerpoint/2010/main" val="1380081995"/>
+        <p14:creationId xmlns:p14="http://schemas.microsoft.com/office/powerpoint/2010/main" val="1291784493"/>
       </p:ext>
     </p:extLst>
   </p:cSld>
@@ -9437,7 +9531,7 @@
     </p:spTree>
     <p:extLst>
       <p:ext uri="{BB962C8B-B14F-4D97-AF65-F5344CB8AC3E}">
-        <p14:creationId xmlns:p14="http://schemas.microsoft.com/office/powerpoint/2010/main" val="3456921266"/>
+        <p14:creationId xmlns:p14="http://schemas.microsoft.com/office/powerpoint/2010/main" val="1380081995"/>
       </p:ext>
     </p:extLst>
   </p:cSld>
@@ -9497,7 +9591,7 @@
     </p:spTree>
     <p:extLst>
       <p:ext uri="{BB962C8B-B14F-4D97-AF65-F5344CB8AC3E}">
-        <p14:creationId xmlns:p14="http://schemas.microsoft.com/office/powerpoint/2010/main" val="1982103804"/>
+        <p14:creationId xmlns:p14="http://schemas.microsoft.com/office/powerpoint/2010/main" val="3456921266"/>
       </p:ext>
     </p:extLst>
   </p:cSld>
@@ -9557,7 +9651,7 @@
     </p:spTree>
     <p:extLst>
       <p:ext uri="{BB962C8B-B14F-4D97-AF65-F5344CB8AC3E}">
-        <p14:creationId xmlns:p14="http://schemas.microsoft.com/office/powerpoint/2010/main" val="2408724767"/>
+        <p14:creationId xmlns:p14="http://schemas.microsoft.com/office/powerpoint/2010/main" val="1982103804"/>
       </p:ext>
     </p:extLst>
   </p:cSld>
